--- a/Project Team Number/Title Page/Sample Title Page.pptx
+++ b/Project Team Number/Title Page/Sample Title Page.pptx
@@ -259,7 +259,7 @@
           <a:p>
             <a:fld id="{D8F8DCE9-E78B-4C6F-8F9C-BC53F5D1F0AF}" type="datetimeFigureOut">
               <a:rPr lang="en-US" smtClean="0"/>
-              <a:t>10/3/2019</a:t>
+              <a:t>3/30/23</a:t>
             </a:fld>
             <a:endParaRPr lang="en-US"/>
           </a:p>
@@ -457,7 +457,7 @@
           <a:p>
             <a:fld id="{D8F8DCE9-E78B-4C6F-8F9C-BC53F5D1F0AF}" type="datetimeFigureOut">
               <a:rPr lang="en-US" smtClean="0"/>
-              <a:t>10/3/2019</a:t>
+              <a:t>3/30/23</a:t>
             </a:fld>
             <a:endParaRPr lang="en-US"/>
           </a:p>
@@ -665,7 +665,7 @@
           <a:p>
             <a:fld id="{D8F8DCE9-E78B-4C6F-8F9C-BC53F5D1F0AF}" type="datetimeFigureOut">
               <a:rPr lang="en-US" smtClean="0"/>
-              <a:t>10/3/2019</a:t>
+              <a:t>3/30/23</a:t>
             </a:fld>
             <a:endParaRPr lang="en-US"/>
           </a:p>
@@ -863,7 +863,7 @@
           <a:p>
             <a:fld id="{D8F8DCE9-E78B-4C6F-8F9C-BC53F5D1F0AF}" type="datetimeFigureOut">
               <a:rPr lang="en-US" smtClean="0"/>
-              <a:t>10/3/2019</a:t>
+              <a:t>3/30/23</a:t>
             </a:fld>
             <a:endParaRPr lang="en-US"/>
           </a:p>
@@ -1138,7 +1138,7 @@
           <a:p>
             <a:fld id="{D8F8DCE9-E78B-4C6F-8F9C-BC53F5D1F0AF}" type="datetimeFigureOut">
               <a:rPr lang="en-US" smtClean="0"/>
-              <a:t>10/3/2019</a:t>
+              <a:t>3/30/23</a:t>
             </a:fld>
             <a:endParaRPr lang="en-US"/>
           </a:p>
@@ -1403,7 +1403,7 @@
           <a:p>
             <a:fld id="{D8F8DCE9-E78B-4C6F-8F9C-BC53F5D1F0AF}" type="datetimeFigureOut">
               <a:rPr lang="en-US" smtClean="0"/>
-              <a:t>10/3/2019</a:t>
+              <a:t>3/30/23</a:t>
             </a:fld>
             <a:endParaRPr lang="en-US"/>
           </a:p>
@@ -1815,7 +1815,7 @@
           <a:p>
             <a:fld id="{D8F8DCE9-E78B-4C6F-8F9C-BC53F5D1F0AF}" type="datetimeFigureOut">
               <a:rPr lang="en-US" smtClean="0"/>
-              <a:t>10/3/2019</a:t>
+              <a:t>3/30/23</a:t>
             </a:fld>
             <a:endParaRPr lang="en-US"/>
           </a:p>
@@ -1956,7 +1956,7 @@
           <a:p>
             <a:fld id="{D8F8DCE9-E78B-4C6F-8F9C-BC53F5D1F0AF}" type="datetimeFigureOut">
               <a:rPr lang="en-US" smtClean="0"/>
-              <a:t>10/3/2019</a:t>
+              <a:t>3/30/23</a:t>
             </a:fld>
             <a:endParaRPr lang="en-US"/>
           </a:p>
@@ -2069,7 +2069,7 @@
           <a:p>
             <a:fld id="{D8F8DCE9-E78B-4C6F-8F9C-BC53F5D1F0AF}" type="datetimeFigureOut">
               <a:rPr lang="en-US" smtClean="0"/>
-              <a:t>10/3/2019</a:t>
+              <a:t>3/30/23</a:t>
             </a:fld>
             <a:endParaRPr lang="en-US"/>
           </a:p>
@@ -2380,7 +2380,7 @@
           <a:p>
             <a:fld id="{D8F8DCE9-E78B-4C6F-8F9C-BC53F5D1F0AF}" type="datetimeFigureOut">
               <a:rPr lang="en-US" smtClean="0"/>
-              <a:t>10/3/2019</a:t>
+              <a:t>3/30/23</a:t>
             </a:fld>
             <a:endParaRPr lang="en-US"/>
           </a:p>
@@ -2668,7 +2668,7 @@
           <a:p>
             <a:fld id="{D8F8DCE9-E78B-4C6F-8F9C-BC53F5D1F0AF}" type="datetimeFigureOut">
               <a:rPr lang="en-US" smtClean="0"/>
-              <a:t>10/3/2019</a:t>
+              <a:t>3/30/23</a:t>
             </a:fld>
             <a:endParaRPr lang="en-US"/>
           </a:p>
@@ -2909,7 +2909,7 @@
           <a:p>
             <a:fld id="{D8F8DCE9-E78B-4C6F-8F9C-BC53F5D1F0AF}" type="datetimeFigureOut">
               <a:rPr lang="en-US" smtClean="0"/>
-              <a:t>10/3/2019</a:t>
+              <a:t>3/30/23</a:t>
             </a:fld>
             <a:endParaRPr lang="en-US"/>
           </a:p>
@@ -3344,12 +3344,14 @@
         </p:nvSpPr>
         <p:spPr/>
         <p:txBody>
-          <a:bodyPr/>
+          <a:bodyPr>
+            <a:normAutofit fontScale="90000"/>
+          </a:bodyPr>
           <a:lstStyle/>
           <a:p>
             <a:r>
               <a:rPr lang="en-US" dirty="0"/>
-              <a:t>Title of Your Simulation Project</a:t>
+              <a:t>SEIR-Based Approaches for Tailored COVID-19 Control Measures</a:t>
             </a:r>
           </a:p>
         </p:txBody>
@@ -3379,8 +3381,29 @@
           <a:p>
             <a:r>
               <a:rPr lang="en-US" dirty="0"/>
-              <a:t>Your names as listed in e-Dimension (nicknames in parentheses)</a:t>
-            </a:r>
+              <a:t>Feng </a:t>
+            </a:r>
+            <a:r>
+              <a:rPr lang="en-US" dirty="0" err="1"/>
+              <a:t>Zhuoer</a:t>
+            </a:r>
+            <a:r>
+              <a:rPr lang="en-US" dirty="0"/>
+              <a:t>, Ge </a:t>
+            </a:r>
+            <a:r>
+              <a:rPr lang="en-US" dirty="0" err="1"/>
+              <a:t>Ziyu</a:t>
+            </a:r>
+            <a:r>
+              <a:rPr lang="en-US" dirty="0"/>
+              <a:t>, Ding </a:t>
+            </a:r>
+            <a:r>
+              <a:rPr lang="en-US" dirty="0" err="1"/>
+              <a:t>Hongyue</a:t>
+            </a:r>
+            <a:endParaRPr lang="en-US" dirty="0"/>
           </a:p>
           <a:p>
             <a:r>
@@ -3390,21 +3413,20 @@
           </a:p>
           <a:p>
             <a:r>
-              <a:rPr lang="en-US"/>
+              <a:rPr lang="en-US" dirty="0"/>
               <a:t>Team Number</a:t>
             </a:r>
-            <a:endParaRPr lang="en-US" dirty="0"/>
           </a:p>
           <a:p>
             <a:r>
               <a:rPr lang="en-US" dirty="0"/>
-              <a:t>Date or Term/Year</a:t>
+              <a:t>Term 6/2023</a:t>
             </a:r>
           </a:p>
           <a:p>
             <a:r>
               <a:rPr lang="en-US" dirty="0"/>
-              <a:t>Course Number and Name</a:t>
+              <a:t>40.015 : Simulation Modeling and Analysis</a:t>
             </a:r>
           </a:p>
         </p:txBody>
